--- a/trunk/slides/lec2-5-iostreams-locales.pptx
+++ b/trunk/slides/lec2-5-iostreams-locales.pptx
@@ -388,7 +388,7 @@
             <a:fld id="{96DFF08F-DC6B-4601-B491-B0F83F6DD2DA}" type="datetimeFigureOut">
               <a:rPr lang="en-US"/>
               <a:pPr/>
-              <a:t>3/2/2017</a:t>
+              <a:t>3/11/2017</a:t>
             </a:fld>
             <a:endParaRPr lang="en-US"/>
           </a:p>
@@ -605,7 +605,7 @@
           <a:p>
             <a:fld id="{96DFF08F-DC6B-4601-B491-B0F83F6DD2DA}" type="datetimeFigureOut">
               <a:rPr lang="en-US"/>
-              <a:t>3/2/2017</a:t>
+              <a:t>3/11/2017</a:t>
             </a:fld>
             <a:endParaRPr lang="en-US"/>
           </a:p>
@@ -780,7 +780,7 @@
           <a:p>
             <a:fld id="{96DFF08F-DC6B-4601-B491-B0F83F6DD2DA}" type="datetimeFigureOut">
               <a:rPr lang="en-US"/>
-              <a:t>3/2/2017</a:t>
+              <a:t>3/11/2017</a:t>
             </a:fld>
             <a:endParaRPr lang="en-US"/>
           </a:p>
@@ -945,7 +945,7 @@
           <a:p>
             <a:fld id="{96DFF08F-DC6B-4601-B491-B0F83F6DD2DA}" type="datetimeFigureOut">
               <a:rPr lang="en-US"/>
-              <a:t>3/2/2017</a:t>
+              <a:t>3/11/2017</a:t>
             </a:fld>
             <a:endParaRPr lang="en-US"/>
           </a:p>
@@ -1191,7 +1191,7 @@
           <a:p>
             <a:fld id="{96DFF08F-DC6B-4601-B491-B0F83F6DD2DA}" type="datetimeFigureOut">
               <a:rPr lang="en-US"/>
-              <a:t>3/2/2017</a:t>
+              <a:t>3/11/2017</a:t>
             </a:fld>
             <a:endParaRPr lang="en-US"/>
           </a:p>
@@ -1509,7 +1509,7 @@
           <a:p>
             <a:fld id="{96DFF08F-DC6B-4601-B491-B0F83F6DD2DA}" type="datetimeFigureOut">
               <a:rPr lang="en-US"/>
-              <a:t>3/2/2017</a:t>
+              <a:t>3/11/2017</a:t>
             </a:fld>
             <a:endParaRPr lang="en-US"/>
           </a:p>
@@ -1928,7 +1928,7 @@
           <a:p>
             <a:fld id="{96DFF08F-DC6B-4601-B491-B0F83F6DD2DA}" type="datetimeFigureOut">
               <a:rPr lang="en-US"/>
-              <a:t>3/2/2017</a:t>
+              <a:t>3/11/2017</a:t>
             </a:fld>
             <a:endParaRPr lang="en-US"/>
           </a:p>
@@ -2041,7 +2041,7 @@
           <a:p>
             <a:fld id="{96DFF08F-DC6B-4601-B491-B0F83F6DD2DA}" type="datetimeFigureOut">
               <a:rPr lang="en-US"/>
-              <a:t>3/2/2017</a:t>
+              <a:t>3/11/2017</a:t>
             </a:fld>
             <a:endParaRPr lang="en-US"/>
           </a:p>
@@ -2131,7 +2131,7 @@
           <a:p>
             <a:fld id="{96DFF08F-DC6B-4601-B491-B0F83F6DD2DA}" type="datetimeFigureOut">
               <a:rPr lang="en-US"/>
-              <a:t>3/2/2017</a:t>
+              <a:t>3/11/2017</a:t>
             </a:fld>
             <a:endParaRPr lang="en-US"/>
           </a:p>
@@ -2416,7 +2416,7 @@
           <a:p>
             <a:fld id="{96DFF08F-DC6B-4601-B491-B0F83F6DD2DA}" type="datetimeFigureOut">
               <a:rPr lang="en-US"/>
-              <a:t>3/2/2017</a:t>
+              <a:t>3/11/2017</a:t>
             </a:fld>
             <a:endParaRPr lang="en-US"/>
           </a:p>
@@ -2683,7 +2683,7 @@
           <a:p>
             <a:fld id="{96DFF08F-DC6B-4601-B491-B0F83F6DD2DA}" type="datetimeFigureOut">
               <a:rPr lang="en-US"/>
-              <a:t>3/2/2017</a:t>
+              <a:t>3/11/2017</a:t>
             </a:fld>
             <a:endParaRPr lang="en-US"/>
           </a:p>
@@ -2932,7 +2932,7 @@
             <a:fld id="{96DFF08F-DC6B-4601-B491-B0F83F6DD2DA}" type="datetimeFigureOut">
               <a:rPr lang="en-US"/>
               <a:pPr/>
-              <a:t>3/2/2017</a:t>
+              <a:t>3/11/2017</a:t>
             </a:fld>
             <a:endParaRPr lang="en-US"/>
           </a:p>
@@ -7172,7 +7172,6 @@
               <a:rPr lang="ru-RU" sz="4000" smtClean="0"/>
               <a:t>Буферизация</a:t>
             </a:r>
-            <a:endParaRPr lang="ru-RU" sz="4000" smtClean="0"/>
           </a:p>
           <a:p>
             <a:pPr>
@@ -7186,7 +7185,6 @@
               <a:rPr lang="ru-RU" sz="4000" smtClean="0"/>
               <a:t>Локализация</a:t>
             </a:r>
-            <a:endParaRPr lang="ru-RU" sz="4000" smtClean="0"/>
           </a:p>
         </p:txBody>
       </p:sp>
@@ -9551,7 +9549,6 @@
               <a:rPr lang="ru-RU" sz="4000" smtClean="0"/>
               <a:t>Буферизация</a:t>
             </a:r>
-            <a:endParaRPr lang="ru-RU" sz="4000" smtClean="0"/>
           </a:p>
           <a:p>
             <a:pPr>
@@ -9565,7 +9562,6 @@
               <a:rPr lang="ru-RU" sz="4000" smtClean="0"/>
               <a:t>Локализация</a:t>
             </a:r>
-            <a:endParaRPr lang="ru-RU" sz="4000" smtClean="0"/>
           </a:p>
         </p:txBody>
       </p:sp>
@@ -15028,7 +15024,6 @@
               <a:rPr lang="ru-RU" sz="4000" smtClean="0"/>
               <a:t>Буферизация</a:t>
             </a:r>
-            <a:endParaRPr lang="ru-RU" sz="4000" smtClean="0"/>
           </a:p>
           <a:p>
             <a:pPr>
@@ -15042,7 +15037,6 @@
               <a:rPr lang="ru-RU" sz="4000" smtClean="0"/>
               <a:t>Локализация</a:t>
             </a:r>
-            <a:endParaRPr lang="ru-RU" sz="4000" smtClean="0"/>
           </a:p>
         </p:txBody>
       </p:sp>
@@ -19434,7 +19428,6 @@
               <a:rPr lang="ru-RU" sz="4000" smtClean="0"/>
               <a:t>Буферизация</a:t>
             </a:r>
-            <a:endParaRPr lang="ru-RU" sz="4000" smtClean="0"/>
           </a:p>
           <a:p>
             <a:pPr>
@@ -19448,7 +19441,6 @@
               <a:rPr lang="ru-RU" sz="4000" smtClean="0"/>
               <a:t>Локализация</a:t>
             </a:r>
-            <a:endParaRPr lang="ru-RU" sz="4000" smtClean="0"/>
           </a:p>
         </p:txBody>
       </p:sp>
@@ -25317,7 +25309,6 @@
               <a:rPr lang="ru-RU" sz="4000" smtClean="0"/>
               <a:t>Буферизация</a:t>
             </a:r>
-            <a:endParaRPr lang="ru-RU" sz="4000" smtClean="0"/>
           </a:p>
           <a:p>
             <a:pPr>
@@ -25331,7 +25322,6 @@
               <a:rPr lang="ru-RU" sz="4000" smtClean="0"/>
               <a:t>Локализация</a:t>
             </a:r>
-            <a:endParaRPr lang="ru-RU" sz="4000" smtClean="0"/>
           </a:p>
         </p:txBody>
       </p:sp>
@@ -26922,11 +26912,7 @@
             </a:pPr>
             <a:r>
               <a:rPr lang="en-US" smtClean="0"/>
-              <a:t>C-way</a:t>
-            </a:r>
-            <a:r>
-              <a:rPr lang="en-US" smtClean="0"/>
-              <a:t>:</a:t>
+              <a:t>C-way:</a:t>
             </a:r>
             <a:r>
               <a:rPr lang="ru-RU" smtClean="0"/>
@@ -26934,11 +26920,7 @@
             </a:r>
             <a:r>
               <a:rPr lang="en-US" smtClean="0"/>
-              <a:t>std</a:t>
-            </a:r>
-            <a:r>
-              <a:rPr lang="en-US" smtClean="0"/>
-              <a:t>::setlocale (LC_ALL, "")</a:t>
+              <a:t>std::setlocale (LC_ALL, "")</a:t>
             </a:r>
           </a:p>
           <a:p>
@@ -26947,11 +26929,7 @@
             </a:pPr>
             <a:r>
               <a:rPr lang="en-US" smtClean="0"/>
-              <a:t>C++-</a:t>
-            </a:r>
-            <a:r>
-              <a:rPr lang="en-US" smtClean="0"/>
-              <a:t>way:</a:t>
+              <a:t>C++-way:</a:t>
             </a:r>
             <a:r>
               <a:rPr lang="ru-RU" smtClean="0"/>
@@ -26959,15 +26937,7 @@
             </a:r>
             <a:r>
               <a:rPr lang="en-US" smtClean="0"/>
-              <a:t>std</a:t>
-            </a:r>
-            <a:r>
-              <a:rPr lang="en-US" smtClean="0"/>
-              <a:t>::locale::global(std::locale</a:t>
-            </a:r>
-            <a:r>
-              <a:rPr lang="en-US" smtClean="0"/>
-              <a:t>(""))</a:t>
+              <a:t>std::locale::global(std::locale(""))</a:t>
             </a:r>
             <a:endParaRPr lang="ru-RU" smtClean="0"/>
           </a:p>
@@ -26988,7 +26958,6 @@
               <a:rPr lang="en-US" smtClean="0"/>
               <a:t>cout &lt;&lt; locale("").name() &lt;&lt; endl;</a:t>
             </a:r>
-            <a:endParaRPr lang="en-US" smtClean="0"/>
           </a:p>
         </p:txBody>
       </p:sp>
@@ -27120,11 +27089,7 @@
             </a:r>
             <a:r>
               <a:rPr lang="ru-RU" smtClean="0"/>
-              <a:t> </a:t>
-            </a:r>
-            <a:r>
-              <a:rPr lang="ru-RU" smtClean="0"/>
-              <a:t>локали</a:t>
+              <a:t> локали</a:t>
             </a:r>
             <a:endParaRPr lang="en-US"/>
           </a:p>
@@ -27164,11 +27129,7 @@
             </a:pPr>
             <a:r>
               <a:rPr lang="en-US" smtClean="0"/>
-              <a:t>cin.imbue(locale</a:t>
-            </a:r>
-            <a:r>
-              <a:rPr lang="en-US" smtClean="0"/>
-              <a:t>(""));</a:t>
+              <a:t>cin.imbue(locale(""));</a:t>
             </a:r>
           </a:p>
           <a:p>
@@ -27177,11 +27138,7 @@
             </a:pPr>
             <a:r>
               <a:rPr lang="en-US" smtClean="0"/>
-              <a:t>cout.imbue(locale("ru_RU")); </a:t>
-            </a:r>
-            <a:r>
-              <a:rPr lang="en-US" smtClean="0"/>
-              <a:t>// </a:t>
+              <a:t>cout.imbue(locale("ru_RU")); // </a:t>
             </a:r>
             <a:r>
               <a:rPr lang="ru-RU" smtClean="0"/>
@@ -27206,11 +27163,7 @@
             </a:pPr>
             <a:r>
               <a:rPr lang="en-US" smtClean="0"/>
-              <a:t>double </a:t>
-            </a:r>
-            <a:r>
-              <a:rPr lang="en-US" smtClean="0"/>
-              <a:t>value;</a:t>
+              <a:t>double value;</a:t>
             </a:r>
           </a:p>
           <a:p>
@@ -28025,31 +27978,19 @@
               <a:rPr lang="en-US" sz="2000">
                 <a:latin typeface="Consolas" panose="020B0609020204030204" pitchFamily="49" charset="0"/>
               </a:rPr>
-              <a:t>::</a:t>
+              <a:t>::locale </a:t>
+            </a:r>
+            <a:r>
+              <a:rPr lang="en-US" sz="2000" smtClean="0">
+                <a:latin typeface="Consolas" panose="020B0609020204030204" pitchFamily="49" charset="0"/>
+              </a:rPr>
+              <a:t>myobj(std</a:t>
             </a:r>
             <a:r>
               <a:rPr lang="en-US" sz="2000">
                 <a:latin typeface="Consolas" panose="020B0609020204030204" pitchFamily="49" charset="0"/>
               </a:rPr>
-              <a:t>locale </a:t>
-            </a:r>
-            <a:r>
-              <a:rPr lang="en-US" sz="2000" smtClean="0">
-                <a:latin typeface="Consolas" panose="020B0609020204030204" pitchFamily="49" charset="0"/>
-              </a:rPr>
-              <a:t>myobj(std</a:t>
-            </a:r>
-            <a:r>
-              <a:rPr lang="en-US" sz="2000">
-                <a:latin typeface="Consolas" panose="020B0609020204030204" pitchFamily="49" charset="0"/>
-              </a:rPr>
-              <a:t>::locale::classic(), new </a:t>
-            </a:r>
-            <a:r>
-              <a:rPr lang="en-US" sz="2000">
-                <a:latin typeface="Consolas" panose="020B0609020204030204" pitchFamily="49" charset="0"/>
-              </a:rPr>
-              <a:t>my_ctype</a:t>
+              <a:t>::locale::classic(), new my_ctype</a:t>
             </a:r>
             <a:r>
               <a:rPr lang="en-US" sz="2000" smtClean="0">
@@ -28179,13 +28120,7 @@
               <a:rPr lang="en-US" sz="2000">
                 <a:latin typeface="Consolas" panose="020B0609020204030204" pitchFamily="49" charset="0"/>
               </a:rPr>
-              <a:t>::locale x(std::locale::classic(), new </a:t>
-            </a:r>
-            <a:r>
-              <a:rPr lang="en-US" sz="2000">
-                <a:latin typeface="Consolas" panose="020B0609020204030204" pitchFamily="49" charset="0"/>
-              </a:rPr>
-              <a:t>my_ctype</a:t>
+              <a:t>::locale x(std::locale::classic(), new my_ctype</a:t>
             </a:r>
             <a:r>
               <a:rPr lang="en-US" sz="2000" smtClean="0">
@@ -28284,13 +28219,7 @@
               <a:rPr lang="en-US" sz="2000">
                 <a:latin typeface="Consolas" panose="020B0609020204030204" pitchFamily="49" charset="0"/>
               </a:rPr>
-              <a:t>locale&amp; other, Facet</a:t>
-            </a:r>
-            <a:r>
-              <a:rPr lang="en-US" sz="2000">
-                <a:latin typeface="Consolas" panose="020B0609020204030204" pitchFamily="49" charset="0"/>
-              </a:rPr>
-              <a:t>* </a:t>
+              <a:t>locale&amp; other, Facet* </a:t>
             </a:r>
             <a:r>
               <a:rPr lang="en-US" sz="2000" smtClean="0">
@@ -29120,11 +29049,7 @@
           <a:p>
             <a:r>
               <a:rPr lang="en-US" sz="2000" b="1"/>
-              <a:t>std::ios_base</a:t>
-            </a:r>
-            <a:r>
-              <a:rPr lang="en-US" sz="2000" b="1"/>
-              <a:t>::</a:t>
+              <a:t>std::ios_base::</a:t>
             </a:r>
             <a:r>
               <a:rPr lang="en-US" sz="2000" b="1" smtClean="0"/>
@@ -29171,11 +29096,7 @@
             </a:r>
             <a:r>
               <a:rPr lang="en-US" sz="2000" b="1"/>
-              <a:t>std::</a:t>
-            </a:r>
-            <a:r>
-              <a:rPr lang="en-US" sz="2000" b="1"/>
-              <a:t>ios_base</a:t>
+              <a:t>std::ios_base</a:t>
             </a:r>
             <a:r>
               <a:rPr lang="en-US" sz="2000" b="1" smtClean="0"/>
@@ -29212,31 +29133,19 @@
               <a:rPr lang="en-US" sz="1600">
                 <a:latin typeface="Consolas" panose="020B0609020204030204" pitchFamily="49" charset="0"/>
               </a:rPr>
-              <a:t>int </a:t>
+              <a:t>int foo_xalloc</a:t>
+            </a:r>
+            <a:r>
+              <a:rPr lang="en-US" sz="1600" smtClean="0">
+                <a:latin typeface="Consolas" panose="020B0609020204030204" pitchFamily="49" charset="0"/>
+              </a:rPr>
+              <a:t>; </a:t>
             </a:r>
             <a:r>
               <a:rPr lang="en-US" sz="1600">
                 <a:latin typeface="Consolas" panose="020B0609020204030204" pitchFamily="49" charset="0"/>
               </a:rPr>
-              <a:t>foo_xalloc</a:t>
-            </a:r>
-            <a:r>
-              <a:rPr lang="en-US" sz="1600" smtClean="0">
-                <a:latin typeface="Consolas" panose="020B0609020204030204" pitchFamily="49" charset="0"/>
-              </a:rPr>
-              <a:t>; </a:t>
-            </a:r>
-            <a:r>
-              <a:rPr lang="en-US" sz="1600">
-                <a:latin typeface="Consolas" panose="020B0609020204030204" pitchFamily="49" charset="0"/>
-              </a:rPr>
-              <a:t>std::</a:t>
-            </a:r>
-            <a:r>
-              <a:rPr lang="en-US" sz="1600">
-                <a:latin typeface="Consolas" panose="020B0609020204030204" pitchFamily="49" charset="0"/>
-              </a:rPr>
-              <a:t>string </a:t>
+              <a:t>std::string </a:t>
             </a:r>
             <a:r>
               <a:rPr lang="en-US" sz="1600" smtClean="0">
@@ -29273,13 +29182,7 @@
               <a:rPr lang="en-US" sz="1600">
                 <a:latin typeface="Consolas" panose="020B0609020204030204" pitchFamily="49" charset="0"/>
               </a:rPr>
-              <a:t>::ios_base&amp; rev(std::ios_base&amp; </a:t>
-            </a:r>
-            <a:r>
-              <a:rPr lang="en-US" sz="1600">
-                <a:latin typeface="Consolas" panose="020B0609020204030204" pitchFamily="49" charset="0"/>
-              </a:rPr>
-              <a:t>os</a:t>
+              <a:t>::ios_base&amp; rev(std::ios_base&amp; os</a:t>
             </a:r>
             <a:r>
               <a:rPr lang="en-US" sz="1600" smtClean="0">
@@ -29302,49 +29205,31 @@
               <a:rPr lang="en-US" sz="1600">
                 <a:latin typeface="Consolas" panose="020B0609020204030204" pitchFamily="49" charset="0"/>
               </a:rPr>
-              <a:t>::foo_xalloc) = </a:t>
+              <a:t>::foo_xalloc) = !</a:t>
+            </a:r>
+            <a:r>
+              <a:rPr lang="en-US" sz="1600" smtClean="0">
+                <a:latin typeface="Consolas" panose="020B0609020204030204" pitchFamily="49" charset="0"/>
+              </a:rPr>
+              <a:t>os.iword (</a:t>
             </a:r>
             <a:r>
               <a:rPr lang="en-US" sz="1600">
                 <a:latin typeface="Consolas" panose="020B0609020204030204" pitchFamily="49" charset="0"/>
               </a:rPr>
-              <a:t>!</a:t>
+              <a:t>Foo::foo_xalloc</a:t>
             </a:r>
             <a:r>
               <a:rPr lang="en-US" sz="1600" smtClean="0">
                 <a:latin typeface="Consolas" panose="020B0609020204030204" pitchFamily="49" charset="0"/>
               </a:rPr>
-              <a:t>os.iword (</a:t>
+              <a:t>); </a:t>
             </a:r>
             <a:r>
               <a:rPr lang="en-US" sz="1600">
                 <a:latin typeface="Consolas" panose="020B0609020204030204" pitchFamily="49" charset="0"/>
               </a:rPr>
-              <a:t>Foo::</a:t>
-            </a:r>
-            <a:r>
-              <a:rPr lang="en-US" sz="1600">
-                <a:latin typeface="Consolas" panose="020B0609020204030204" pitchFamily="49" charset="0"/>
-              </a:rPr>
-              <a:t>foo_xalloc</a:t>
-            </a:r>
-            <a:r>
-              <a:rPr lang="en-US" sz="1600" smtClean="0">
-                <a:latin typeface="Consolas" panose="020B0609020204030204" pitchFamily="49" charset="0"/>
-              </a:rPr>
-              <a:t>); </a:t>
-            </a:r>
-            <a:r>
-              <a:rPr lang="en-US" sz="1600">
-                <a:latin typeface="Consolas" panose="020B0609020204030204" pitchFamily="49" charset="0"/>
-              </a:rPr>
-              <a:t>return </a:t>
-            </a:r>
-            <a:r>
-              <a:rPr lang="en-US" sz="1600">
-                <a:latin typeface="Consolas" panose="020B0609020204030204" pitchFamily="49" charset="0"/>
-              </a:rPr>
-              <a:t>os</a:t>
+              <a:t>return os</a:t>
             </a:r>
             <a:r>
               <a:rPr lang="en-US" sz="1600" smtClean="0">
@@ -29375,13 +29260,7 @@
               <a:rPr lang="en-US" sz="1600">
                 <a:latin typeface="Consolas" panose="020B0609020204030204" pitchFamily="49" charset="0"/>
               </a:rPr>
-              <a:t>std::ostream&amp; operator&lt;&lt;(std::ostream&amp; os, Foo&amp; </a:t>
-            </a:r>
-            <a:r>
-              <a:rPr lang="en-US" sz="1600">
-                <a:latin typeface="Consolas" panose="020B0609020204030204" pitchFamily="49" charset="0"/>
-              </a:rPr>
-              <a:t>f</a:t>
+              <a:t>std::ostream&amp; operator&lt;&lt;(std::ostream&amp; os, Foo&amp; f</a:t>
             </a:r>
             <a:r>
               <a:rPr lang="en-US" sz="1600" smtClean="0">
@@ -29428,13 +29307,7 @@
               <a:rPr lang="en-US" sz="1600">
                 <a:latin typeface="Consolas" panose="020B0609020204030204" pitchFamily="49" charset="0"/>
               </a:rPr>
-              <a:t>::foo_xalloc) </a:t>
-            </a:r>
-            <a:r>
-              <a:rPr lang="en-US" sz="1600">
-                <a:latin typeface="Consolas" panose="020B0609020204030204" pitchFamily="49" charset="0"/>
-              </a:rPr>
-              <a:t>== </a:t>
+              <a:t>::foo_xalloc) == </a:t>
             </a:r>
             <a:r>
               <a:rPr lang="en-US" sz="1600" smtClean="0">
@@ -29469,13 +29342,7 @@
               <a:rPr lang="en-US" sz="1600">
                 <a:latin typeface="Consolas" panose="020B0609020204030204" pitchFamily="49" charset="0"/>
               </a:rPr>
-              <a:t>os &lt;&lt; std::string(f.data.rbegin(), </a:t>
-            </a:r>
-            <a:r>
-              <a:rPr lang="en-US" sz="1600">
-                <a:latin typeface="Consolas" panose="020B0609020204030204" pitchFamily="49" charset="0"/>
-              </a:rPr>
-              <a:t>f.data.rend</a:t>
+              <a:t>os &lt;&lt; std::string(f.data.rbegin(), f.data.rend</a:t>
             </a:r>
             <a:r>
               <a:rPr lang="en-US" sz="1600" smtClean="0">
@@ -29935,13 +29802,7 @@
               <a:rPr lang="en-US" sz="1600" smtClean="0">
                 <a:latin typeface="Consolas" panose="020B0609020204030204" pitchFamily="49" charset="0"/>
               </a:rPr>
-              <a:t>cout.imbue(locale(locale</a:t>
-            </a:r>
-            <a:r>
-              <a:rPr lang="en-US" sz="1600" smtClean="0">
-                <a:latin typeface="Consolas" panose="020B0609020204030204" pitchFamily="49" charset="0"/>
-              </a:rPr>
-              <a:t>(), new </a:t>
+              <a:t>cout.imbue(locale(locale(), new </a:t>
             </a:r>
             <a:r>
               <a:rPr lang="en-US" sz="1600">
@@ -30108,13 +29969,7 @@
               <a:rPr lang="en-US" sz="1800">
                 <a:latin typeface="Consolas" panose="020B0609020204030204" pitchFamily="49" charset="0"/>
               </a:rPr>
-              <a:t>::locale </a:t>
-            </a:r>
-            <a:r>
-              <a:rPr lang="en-US" sz="1800">
-                <a:latin typeface="Consolas" panose="020B0609020204030204" pitchFamily="49" charset="0"/>
-              </a:rPr>
-              <a:t>loc</a:t>
+              <a:t>::locale loc</a:t>
             </a:r>
             <a:r>
               <a:rPr lang="en-US" sz="1800" smtClean="0">
@@ -30137,13 +29992,7 @@
               <a:rPr lang="en-US" sz="1800">
                 <a:latin typeface="Consolas" panose="020B0609020204030204" pitchFamily="49" charset="0"/>
               </a:rPr>
-              <a:t>::cout &lt;&lt; std::boolalpha &lt;&lt; "Can loc classify chars? </a:t>
-            </a:r>
-            <a:r>
-              <a:rPr lang="en-US" sz="1800">
-                <a:latin typeface="Consolas" panose="020B0609020204030204" pitchFamily="49" charset="0"/>
-              </a:rPr>
-              <a:t>" </a:t>
+              <a:t>::cout &lt;&lt; std::boolalpha &lt;&lt; "Can loc classify chars? " </a:t>
             </a:r>
             <a:r>
               <a:rPr lang="ru-RU" sz="1800" smtClean="0">
@@ -30187,13 +30036,7 @@
               <a:rPr lang="en-US" sz="1800">
                 <a:latin typeface="Consolas" panose="020B0609020204030204" pitchFamily="49" charset="0"/>
               </a:rPr>
-              <a:t>&gt;(loc) &lt;&lt; std::endl</a:t>
-            </a:r>
-            <a:r>
-              <a:rPr lang="en-US" sz="1800">
-                <a:latin typeface="Consolas" panose="020B0609020204030204" pitchFamily="49" charset="0"/>
-              </a:rPr>
-              <a:t>; </a:t>
+              <a:t>&gt;(loc) &lt;&lt; std::endl; </a:t>
             </a:r>
             <a:endParaRPr lang="ru-RU" sz="1800" smtClean="0">
               <a:latin typeface="Consolas" panose="020B0609020204030204" pitchFamily="49" charset="0"/>
@@ -30227,13 +30070,7 @@
               <a:rPr lang="en-US" sz="1800">
                 <a:latin typeface="Consolas" panose="020B0609020204030204" pitchFamily="49" charset="0"/>
               </a:rPr>
-              <a:t>::locale uloc = std::</a:t>
-            </a:r>
-            <a:r>
-              <a:rPr lang="en-US" sz="1800">
-                <a:latin typeface="Consolas" panose="020B0609020204030204" pitchFamily="49" charset="0"/>
-              </a:rPr>
-              <a:t>locale</a:t>
+              <a:t>::locale uloc = std::locale</a:t>
             </a:r>
             <a:r>
               <a:rPr lang="en-US" sz="1800" smtClean="0">
@@ -30274,13 +30111,7 @@
               <a:rPr lang="en-US" sz="1800">
                 <a:latin typeface="Consolas" panose="020B0609020204030204" pitchFamily="49" charset="0"/>
               </a:rPr>
-              <a:t>&gt;(uloc).</a:t>
-            </a:r>
-            <a:r>
-              <a:rPr lang="en-US" sz="1800">
-                <a:latin typeface="Consolas" panose="020B0609020204030204" pitchFamily="49" charset="0"/>
-              </a:rPr>
-              <a:t>curr_symbol</a:t>
+              <a:t>&gt;(uloc).curr_symbol</a:t>
             </a:r>
             <a:r>
               <a:rPr lang="en-US" sz="1800" smtClean="0">
@@ -30306,13 +30137,7 @@
               <a:rPr lang="en-US" sz="1800">
                 <a:latin typeface="Consolas" panose="020B0609020204030204" pitchFamily="49" charset="0"/>
               </a:rPr>
-              <a:t>::cout &lt;&lt; "Currency: " &lt;&lt; sym &lt;&lt; std::</a:t>
-            </a:r>
-            <a:r>
-              <a:rPr lang="en-US" sz="1800">
-                <a:latin typeface="Consolas" panose="020B0609020204030204" pitchFamily="49" charset="0"/>
-              </a:rPr>
-              <a:t>endl</a:t>
+              <a:t>::cout &lt;&lt; "Currency: " &lt;&lt; sym &lt;&lt; std::endl</a:t>
             </a:r>
             <a:r>
               <a:rPr lang="en-US" sz="1800" smtClean="0">
@@ -30432,11 +30257,7 @@
             </a:r>
             <a:r>
               <a:rPr lang="ru-RU"/>
-              <a:t> -- </a:t>
-            </a:r>
-            <a:r>
-              <a:rPr lang="ru-RU"/>
-              <a:t>конвертирует </a:t>
+              <a:t> -- конвертирует </a:t>
             </a:r>
             <a:r>
               <a:rPr lang="en-US" smtClean="0"/>
@@ -30486,11 +30307,7 @@
             </a:r>
             <a:r>
               <a:rPr lang="ru-RU"/>
-              <a:t>строковый литерал </a:t>
-            </a:r>
-            <a:r>
-              <a:rPr lang="ru-RU"/>
-              <a:t>в </a:t>
+              <a:t>строковый литерал в </a:t>
             </a:r>
             <a:r>
               <a:rPr lang="en-US" smtClean="0"/>
@@ -30516,11 +30333,7 @@
             </a:r>
             <a:r>
               <a:rPr lang="ru-RU"/>
-              <a:t>строковый литерал </a:t>
-            </a:r>
-            <a:r>
-              <a:rPr lang="ru-RU"/>
-              <a:t>в </a:t>
+              <a:t>строковый литерал в </a:t>
             </a:r>
             <a:r>
               <a:rPr lang="en-US" smtClean="0"/>
@@ -30733,31 +30546,19 @@
               <a:rPr lang="en-US" sz="1800">
                 <a:latin typeface="Consolas" panose="020B0609020204030204" pitchFamily="49" charset="0"/>
               </a:rPr>
-              <a:t>std::wstring_convert&lt;std</a:t>
+              <a:t>std::wstring_convert&lt;std::</a:t>
+            </a:r>
+            <a:r>
+              <a:rPr lang="en-US" sz="1800" smtClean="0">
+                <a:latin typeface="Consolas" panose="020B0609020204030204" pitchFamily="49" charset="0"/>
+              </a:rPr>
+              <a:t>codecvt_utf8&lt;char16_t</a:t>
             </a:r>
             <a:r>
               <a:rPr lang="en-US" sz="1800">
                 <a:latin typeface="Consolas" panose="020B0609020204030204" pitchFamily="49" charset="0"/>
               </a:rPr>
-              <a:t>::</a:t>
-            </a:r>
-            <a:r>
-              <a:rPr lang="en-US" sz="1800" smtClean="0">
-                <a:latin typeface="Consolas" panose="020B0609020204030204" pitchFamily="49" charset="0"/>
-              </a:rPr>
-              <a:t>codecvt_utf8&lt;char16_t</a:t>
-            </a:r>
-            <a:r>
-              <a:rPr lang="en-US" sz="1800">
-                <a:latin typeface="Consolas" panose="020B0609020204030204" pitchFamily="49" charset="0"/>
-              </a:rPr>
-              <a:t>&gt;, char16_t</a:t>
-            </a:r>
-            <a:r>
-              <a:rPr lang="en-US" sz="1800">
-                <a:latin typeface="Consolas" panose="020B0609020204030204" pitchFamily="49" charset="0"/>
-              </a:rPr>
-              <a:t>&gt; </a:t>
+              <a:t>&gt;, char16_t&gt; </a:t>
             </a:r>
             <a:r>
               <a:rPr lang="en-US" sz="1800" smtClean="0">
@@ -30922,7 +30723,6 @@
               <a:rPr lang="en-US" sz="1600" smtClean="0"/>
               <a:t>vector&lt;char&gt;</a:t>
             </a:r>
-            <a:endParaRPr lang="en-US" sz="1600" smtClean="0"/>
           </a:p>
           <a:p>
             <a:pPr marL="45720" indent="0">
@@ -31872,13 +31672,7 @@
               <a:rPr lang="en-US" sz="1600" smtClean="0">
                 <a:latin typeface="Consolas" panose="020B0609020204030204" pitchFamily="49" charset="0"/>
               </a:rPr>
-              <a:t>  return </a:t>
-            </a:r>
-            <a:r>
-              <a:rPr lang="en-US" sz="1600" smtClean="0">
-                <a:latin typeface="Consolas" panose="020B0609020204030204" pitchFamily="49" charset="0"/>
-              </a:rPr>
-              <a:t>false;</a:t>
+              <a:t>  return false;</a:t>
             </a:r>
             <a:endParaRPr lang="ru-RU" sz="1600" smtClean="0">
               <a:latin typeface="Consolas" panose="020B0609020204030204" pitchFamily="49" charset="0"/>
